--- a/Fanekem-pinoana/Fanekem-pinoana II.pptx
+++ b/Fanekem-pinoana/Fanekem-pinoana II.pptx
@@ -144,7 +144,7 @@
   </p:defaultTextStyle>
   <p:extLst>
     <p:ext uri="{EFAFB233-063F-42B5-8137-9DF3F51BA10A}">
-      <p15:sldGuideLst xmlns="" xmlns:p15="http://schemas.microsoft.com/office/powerpoint/2012/main">
+      <p15:sldGuideLst xmlns:p15="http://schemas.microsoft.com/office/powerpoint/2012/main">
         <p15:guide id="1" orient="horz" pos="2160">
           <p15:clr>
             <a:srgbClr val="A4A3A4"/>
@@ -199,10 +199,9 @@
           <a:lstStyle/>
           <a:p>
             <a:r>
-              <a:rPr lang="fr-FR" smtClean="0"/>
+              <a:rPr lang="fr-FR"/>
               <a:t>Cliquez pour modifier le style du titre</a:t>
             </a:r>
-            <a:endParaRPr lang="fr-FR"/>
           </a:p>
         </p:txBody>
       </p:sp>
@@ -318,10 +317,9 @@
           </a:lstStyle>
           <a:p>
             <a:r>
-              <a:rPr lang="fr-FR" smtClean="0"/>
+              <a:rPr lang="fr-FR"/>
               <a:t>Cliquez pour modifier le style des sous-titres du masque</a:t>
             </a:r>
-            <a:endParaRPr lang="fr-FR"/>
           </a:p>
         </p:txBody>
       </p:sp>
@@ -352,7 +350,7 @@
               <a:pPr>
                 <a:defRPr/>
               </a:pPr>
-              <a:t>18/11/2014</a:t>
+              <a:t>14/04/2024</a:t>
             </a:fld>
             <a:endParaRPr lang="fr-FR"/>
           </a:p>
@@ -427,13 +425,13 @@
   <p:clrMapOvr>
     <a:masterClrMapping/>
   </p:clrMapOvr>
-  <mc:AlternateContent xmlns:mc="http://schemas.openxmlformats.org/markup-compatibility/2006">
-    <mc:Choice xmlns:p14="http://schemas.microsoft.com/office/powerpoint/2010/main" Requires="p14">
+  <mc:AlternateContent xmlns:mc="http://schemas.openxmlformats.org/markup-compatibility/2006" xmlns:p14="http://schemas.microsoft.com/office/powerpoint/2010/main">
+    <mc:Choice Requires="p14">
       <p:transition spd="med">
         <p14:reveal/>
       </p:transition>
     </mc:Choice>
-    <mc:Fallback>
+    <mc:Fallback xmlns="">
       <p:transition spd="med">
         <p:fade/>
       </p:transition>
@@ -475,10 +473,9 @@
           <a:lstStyle/>
           <a:p>
             <a:r>
-              <a:rPr lang="fr-FR" smtClean="0"/>
+              <a:rPr lang="fr-FR"/>
               <a:t>Cliquez pour modifier le style du titre</a:t>
             </a:r>
-            <a:endParaRPr lang="fr-FR"/>
           </a:p>
         </p:txBody>
       </p:sp>
@@ -499,38 +496,37 @@
           <a:p>
             <a:pPr lvl="0"/>
             <a:r>
-              <a:rPr lang="fr-FR" smtClean="0"/>
+              <a:rPr lang="fr-FR"/>
               <a:t>Cliquez pour modifier les styles du texte du masque</a:t>
             </a:r>
           </a:p>
           <a:p>
             <a:pPr lvl="1"/>
             <a:r>
-              <a:rPr lang="fr-FR" smtClean="0"/>
+              <a:rPr lang="fr-FR"/>
               <a:t>Deuxième niveau</a:t>
             </a:r>
           </a:p>
           <a:p>
             <a:pPr lvl="2"/>
             <a:r>
-              <a:rPr lang="fr-FR" smtClean="0"/>
+              <a:rPr lang="fr-FR"/>
               <a:t>Troisième niveau</a:t>
             </a:r>
           </a:p>
           <a:p>
             <a:pPr lvl="3"/>
             <a:r>
-              <a:rPr lang="fr-FR" smtClean="0"/>
+              <a:rPr lang="fr-FR"/>
               <a:t>Quatrième niveau</a:t>
             </a:r>
           </a:p>
           <a:p>
             <a:pPr lvl="4"/>
             <a:r>
-              <a:rPr lang="fr-FR" smtClean="0"/>
+              <a:rPr lang="fr-FR"/>
               <a:t>Cinquième niveau</a:t>
             </a:r>
-            <a:endParaRPr lang="fr-FR"/>
           </a:p>
         </p:txBody>
       </p:sp>
@@ -561,7 +557,7 @@
               <a:pPr>
                 <a:defRPr/>
               </a:pPr>
-              <a:t>18/11/2014</a:t>
+              <a:t>14/04/2024</a:t>
             </a:fld>
             <a:endParaRPr lang="fr-FR"/>
           </a:p>
@@ -636,13 +632,13 @@
   <p:clrMapOvr>
     <a:masterClrMapping/>
   </p:clrMapOvr>
-  <mc:AlternateContent xmlns:mc="http://schemas.openxmlformats.org/markup-compatibility/2006">
-    <mc:Choice xmlns:p14="http://schemas.microsoft.com/office/powerpoint/2010/main" Requires="p14">
+  <mc:AlternateContent xmlns:mc="http://schemas.openxmlformats.org/markup-compatibility/2006" xmlns:p14="http://schemas.microsoft.com/office/powerpoint/2010/main">
+    <mc:Choice Requires="p14">
       <p:transition spd="med">
         <p14:reveal/>
       </p:transition>
     </mc:Choice>
-    <mc:Fallback>
+    <mc:Fallback xmlns="">
       <p:transition spd="med">
         <p:fade/>
       </p:transition>
@@ -689,10 +685,9 @@
           <a:lstStyle/>
           <a:p>
             <a:r>
-              <a:rPr lang="fr-FR" smtClean="0"/>
+              <a:rPr lang="fr-FR"/>
               <a:t>Cliquez pour modifier le style du titre</a:t>
             </a:r>
-            <a:endParaRPr lang="fr-FR"/>
           </a:p>
         </p:txBody>
       </p:sp>
@@ -718,38 +713,37 @@
           <a:p>
             <a:pPr lvl="0"/>
             <a:r>
-              <a:rPr lang="fr-FR" smtClean="0"/>
+              <a:rPr lang="fr-FR"/>
               <a:t>Cliquez pour modifier les styles du texte du masque</a:t>
             </a:r>
           </a:p>
           <a:p>
             <a:pPr lvl="1"/>
             <a:r>
-              <a:rPr lang="fr-FR" smtClean="0"/>
+              <a:rPr lang="fr-FR"/>
               <a:t>Deuxième niveau</a:t>
             </a:r>
           </a:p>
           <a:p>
             <a:pPr lvl="2"/>
             <a:r>
-              <a:rPr lang="fr-FR" smtClean="0"/>
+              <a:rPr lang="fr-FR"/>
               <a:t>Troisième niveau</a:t>
             </a:r>
           </a:p>
           <a:p>
             <a:pPr lvl="3"/>
             <a:r>
-              <a:rPr lang="fr-FR" smtClean="0"/>
+              <a:rPr lang="fr-FR"/>
               <a:t>Quatrième niveau</a:t>
             </a:r>
           </a:p>
           <a:p>
             <a:pPr lvl="4"/>
             <a:r>
-              <a:rPr lang="fr-FR" smtClean="0"/>
+              <a:rPr lang="fr-FR"/>
               <a:t>Cinquième niveau</a:t>
             </a:r>
-            <a:endParaRPr lang="fr-FR"/>
           </a:p>
         </p:txBody>
       </p:sp>
@@ -780,7 +774,7 @@
               <a:pPr>
                 <a:defRPr/>
               </a:pPr>
-              <a:t>18/11/2014</a:t>
+              <a:t>14/04/2024</a:t>
             </a:fld>
             <a:endParaRPr lang="fr-FR"/>
           </a:p>
@@ -855,13 +849,13 @@
   <p:clrMapOvr>
     <a:masterClrMapping/>
   </p:clrMapOvr>
-  <mc:AlternateContent xmlns:mc="http://schemas.openxmlformats.org/markup-compatibility/2006">
-    <mc:Choice xmlns:p14="http://schemas.microsoft.com/office/powerpoint/2010/main" Requires="p14">
+  <mc:AlternateContent xmlns:mc="http://schemas.openxmlformats.org/markup-compatibility/2006" xmlns:p14="http://schemas.microsoft.com/office/powerpoint/2010/main">
+    <mc:Choice Requires="p14">
       <p:transition spd="med">
         <p14:reveal/>
       </p:transition>
     </mc:Choice>
-    <mc:Fallback>
+    <mc:Fallback xmlns="">
       <p:transition spd="med">
         <p:fade/>
       </p:transition>
@@ -903,10 +897,9 @@
           <a:lstStyle/>
           <a:p>
             <a:r>
-              <a:rPr lang="fr-FR" smtClean="0"/>
+              <a:rPr lang="fr-FR"/>
               <a:t>Cliquez pour modifier le style du titre</a:t>
             </a:r>
-            <a:endParaRPr lang="fr-FR"/>
           </a:p>
         </p:txBody>
       </p:sp>
@@ -927,38 +920,37 @@
           <a:p>
             <a:pPr lvl="0"/>
             <a:r>
-              <a:rPr lang="fr-FR" smtClean="0"/>
+              <a:rPr lang="fr-FR"/>
               <a:t>Cliquez pour modifier les styles du texte du masque</a:t>
             </a:r>
           </a:p>
           <a:p>
             <a:pPr lvl="1"/>
             <a:r>
-              <a:rPr lang="fr-FR" smtClean="0"/>
+              <a:rPr lang="fr-FR"/>
               <a:t>Deuxième niveau</a:t>
             </a:r>
           </a:p>
           <a:p>
             <a:pPr lvl="2"/>
             <a:r>
-              <a:rPr lang="fr-FR" smtClean="0"/>
+              <a:rPr lang="fr-FR"/>
               <a:t>Troisième niveau</a:t>
             </a:r>
           </a:p>
           <a:p>
             <a:pPr lvl="3"/>
             <a:r>
-              <a:rPr lang="fr-FR" smtClean="0"/>
+              <a:rPr lang="fr-FR"/>
               <a:t>Quatrième niveau</a:t>
             </a:r>
           </a:p>
           <a:p>
             <a:pPr lvl="4"/>
             <a:r>
-              <a:rPr lang="fr-FR" smtClean="0"/>
+              <a:rPr lang="fr-FR"/>
               <a:t>Cinquième niveau</a:t>
             </a:r>
-            <a:endParaRPr lang="fr-FR"/>
           </a:p>
         </p:txBody>
       </p:sp>
@@ -989,7 +981,7 @@
               <a:pPr>
                 <a:defRPr/>
               </a:pPr>
-              <a:t>18/11/2014</a:t>
+              <a:t>14/04/2024</a:t>
             </a:fld>
             <a:endParaRPr lang="fr-FR"/>
           </a:p>
@@ -1064,13 +1056,13 @@
   <p:clrMapOvr>
     <a:masterClrMapping/>
   </p:clrMapOvr>
-  <mc:AlternateContent xmlns:mc="http://schemas.openxmlformats.org/markup-compatibility/2006">
-    <mc:Choice xmlns:p14="http://schemas.microsoft.com/office/powerpoint/2010/main" Requires="p14">
+  <mc:AlternateContent xmlns:mc="http://schemas.openxmlformats.org/markup-compatibility/2006" xmlns:p14="http://schemas.microsoft.com/office/powerpoint/2010/main">
+    <mc:Choice Requires="p14">
       <p:transition spd="med">
         <p14:reveal/>
       </p:transition>
     </mc:Choice>
-    <mc:Fallback>
+    <mc:Fallback xmlns="">
       <p:transition spd="med">
         <p:fade/>
       </p:transition>
@@ -1121,10 +1113,9 @@
           </a:lstStyle>
           <a:p>
             <a:r>
-              <a:rPr lang="fr-FR" smtClean="0"/>
+              <a:rPr lang="fr-FR"/>
               <a:t>Cliquez pour modifier le style du titre</a:t>
             </a:r>
-            <a:endParaRPr lang="fr-FR"/>
           </a:p>
         </p:txBody>
       </p:sp>
@@ -1241,7 +1232,7 @@
           <a:p>
             <a:pPr lvl="0"/>
             <a:r>
-              <a:rPr lang="fr-FR" smtClean="0"/>
+              <a:rPr lang="fr-FR"/>
               <a:t>Cliquez pour modifier les styles du texte du masque</a:t>
             </a:r>
           </a:p>
@@ -1274,7 +1265,7 @@
               <a:pPr>
                 <a:defRPr/>
               </a:pPr>
-              <a:t>18/11/2014</a:t>
+              <a:t>14/04/2024</a:t>
             </a:fld>
             <a:endParaRPr lang="fr-FR"/>
           </a:p>
@@ -1349,13 +1340,13 @@
   <p:clrMapOvr>
     <a:masterClrMapping/>
   </p:clrMapOvr>
-  <mc:AlternateContent xmlns:mc="http://schemas.openxmlformats.org/markup-compatibility/2006">
-    <mc:Choice xmlns:p14="http://schemas.microsoft.com/office/powerpoint/2010/main" Requires="p14">
+  <mc:AlternateContent xmlns:mc="http://schemas.openxmlformats.org/markup-compatibility/2006" xmlns:p14="http://schemas.microsoft.com/office/powerpoint/2010/main">
+    <mc:Choice Requires="p14">
       <p:transition spd="med">
         <p14:reveal/>
       </p:transition>
     </mc:Choice>
-    <mc:Fallback>
+    <mc:Fallback xmlns="">
       <p:transition spd="med">
         <p:fade/>
       </p:transition>
@@ -1397,10 +1388,9 @@
           <a:lstStyle/>
           <a:p>
             <a:r>
-              <a:rPr lang="fr-FR" smtClean="0"/>
+              <a:rPr lang="fr-FR"/>
               <a:t>Cliquez pour modifier le style du titre</a:t>
             </a:r>
-            <a:endParaRPr lang="fr-FR"/>
           </a:p>
         </p:txBody>
       </p:sp>
@@ -1454,38 +1444,37 @@
           <a:p>
             <a:pPr lvl="0"/>
             <a:r>
-              <a:rPr lang="fr-FR" smtClean="0"/>
+              <a:rPr lang="fr-FR"/>
               <a:t>Cliquez pour modifier les styles du texte du masque</a:t>
             </a:r>
           </a:p>
           <a:p>
             <a:pPr lvl="1"/>
             <a:r>
-              <a:rPr lang="fr-FR" smtClean="0"/>
+              <a:rPr lang="fr-FR"/>
               <a:t>Deuxième niveau</a:t>
             </a:r>
           </a:p>
           <a:p>
             <a:pPr lvl="2"/>
             <a:r>
-              <a:rPr lang="fr-FR" smtClean="0"/>
+              <a:rPr lang="fr-FR"/>
               <a:t>Troisième niveau</a:t>
             </a:r>
           </a:p>
           <a:p>
             <a:pPr lvl="3"/>
             <a:r>
-              <a:rPr lang="fr-FR" smtClean="0"/>
+              <a:rPr lang="fr-FR"/>
               <a:t>Quatrième niveau</a:t>
             </a:r>
           </a:p>
           <a:p>
             <a:pPr lvl="4"/>
             <a:r>
-              <a:rPr lang="fr-FR" smtClean="0"/>
+              <a:rPr lang="fr-FR"/>
               <a:t>Cinquième niveau</a:t>
             </a:r>
-            <a:endParaRPr lang="fr-FR"/>
           </a:p>
         </p:txBody>
       </p:sp>
@@ -1539,38 +1528,37 @@
           <a:p>
             <a:pPr lvl="0"/>
             <a:r>
-              <a:rPr lang="fr-FR" smtClean="0"/>
+              <a:rPr lang="fr-FR"/>
               <a:t>Cliquez pour modifier les styles du texte du masque</a:t>
             </a:r>
           </a:p>
           <a:p>
             <a:pPr lvl="1"/>
             <a:r>
-              <a:rPr lang="fr-FR" smtClean="0"/>
+              <a:rPr lang="fr-FR"/>
               <a:t>Deuxième niveau</a:t>
             </a:r>
           </a:p>
           <a:p>
             <a:pPr lvl="2"/>
             <a:r>
-              <a:rPr lang="fr-FR" smtClean="0"/>
+              <a:rPr lang="fr-FR"/>
               <a:t>Troisième niveau</a:t>
             </a:r>
           </a:p>
           <a:p>
             <a:pPr lvl="3"/>
             <a:r>
-              <a:rPr lang="fr-FR" smtClean="0"/>
+              <a:rPr lang="fr-FR"/>
               <a:t>Quatrième niveau</a:t>
             </a:r>
           </a:p>
           <a:p>
             <a:pPr lvl="4"/>
             <a:r>
-              <a:rPr lang="fr-FR" smtClean="0"/>
+              <a:rPr lang="fr-FR"/>
               <a:t>Cinquième niveau</a:t>
             </a:r>
-            <a:endParaRPr lang="fr-FR"/>
           </a:p>
         </p:txBody>
       </p:sp>
@@ -1601,7 +1589,7 @@
               <a:pPr>
                 <a:defRPr/>
               </a:pPr>
-              <a:t>18/11/2014</a:t>
+              <a:t>14/04/2024</a:t>
             </a:fld>
             <a:endParaRPr lang="fr-FR"/>
           </a:p>
@@ -1676,13 +1664,13 @@
   <p:clrMapOvr>
     <a:masterClrMapping/>
   </p:clrMapOvr>
-  <mc:AlternateContent xmlns:mc="http://schemas.openxmlformats.org/markup-compatibility/2006">
-    <mc:Choice xmlns:p14="http://schemas.microsoft.com/office/powerpoint/2010/main" Requires="p14">
+  <mc:AlternateContent xmlns:mc="http://schemas.openxmlformats.org/markup-compatibility/2006" xmlns:p14="http://schemas.microsoft.com/office/powerpoint/2010/main">
+    <mc:Choice Requires="p14">
       <p:transition spd="med">
         <p14:reveal/>
       </p:transition>
     </mc:Choice>
-    <mc:Fallback>
+    <mc:Fallback xmlns="">
       <p:transition spd="med">
         <p:fade/>
       </p:transition>
@@ -1728,10 +1716,9 @@
           </a:lstStyle>
           <a:p>
             <a:r>
-              <a:rPr lang="fr-FR" smtClean="0"/>
+              <a:rPr lang="fr-FR"/>
               <a:t>Cliquez pour modifier le style du titre</a:t>
             </a:r>
-            <a:endParaRPr lang="fr-FR"/>
           </a:p>
         </p:txBody>
       </p:sp>
@@ -1794,7 +1781,7 @@
           <a:p>
             <a:pPr lvl="0"/>
             <a:r>
-              <a:rPr lang="fr-FR" smtClean="0"/>
+              <a:rPr lang="fr-FR"/>
               <a:t>Cliquez pour modifier les styles du texte du masque</a:t>
             </a:r>
           </a:p>
@@ -1850,38 +1837,37 @@
           <a:p>
             <a:pPr lvl="0"/>
             <a:r>
-              <a:rPr lang="fr-FR" smtClean="0"/>
+              <a:rPr lang="fr-FR"/>
               <a:t>Cliquez pour modifier les styles du texte du masque</a:t>
             </a:r>
           </a:p>
           <a:p>
             <a:pPr lvl="1"/>
             <a:r>
-              <a:rPr lang="fr-FR" smtClean="0"/>
+              <a:rPr lang="fr-FR"/>
               <a:t>Deuxième niveau</a:t>
             </a:r>
           </a:p>
           <a:p>
             <a:pPr lvl="2"/>
             <a:r>
-              <a:rPr lang="fr-FR" smtClean="0"/>
+              <a:rPr lang="fr-FR"/>
               <a:t>Troisième niveau</a:t>
             </a:r>
           </a:p>
           <a:p>
             <a:pPr lvl="3"/>
             <a:r>
-              <a:rPr lang="fr-FR" smtClean="0"/>
+              <a:rPr lang="fr-FR"/>
               <a:t>Quatrième niveau</a:t>
             </a:r>
           </a:p>
           <a:p>
             <a:pPr lvl="4"/>
             <a:r>
-              <a:rPr lang="fr-FR" smtClean="0"/>
+              <a:rPr lang="fr-FR"/>
               <a:t>Cinquième niveau</a:t>
             </a:r>
-            <a:endParaRPr lang="fr-FR"/>
           </a:p>
         </p:txBody>
       </p:sp>
@@ -1944,7 +1930,7 @@
           <a:p>
             <a:pPr lvl="0"/>
             <a:r>
-              <a:rPr lang="fr-FR" smtClean="0"/>
+              <a:rPr lang="fr-FR"/>
               <a:t>Cliquez pour modifier les styles du texte du masque</a:t>
             </a:r>
           </a:p>
@@ -2000,38 +1986,37 @@
           <a:p>
             <a:pPr lvl="0"/>
             <a:r>
-              <a:rPr lang="fr-FR" smtClean="0"/>
+              <a:rPr lang="fr-FR"/>
               <a:t>Cliquez pour modifier les styles du texte du masque</a:t>
             </a:r>
           </a:p>
           <a:p>
             <a:pPr lvl="1"/>
             <a:r>
-              <a:rPr lang="fr-FR" smtClean="0"/>
+              <a:rPr lang="fr-FR"/>
               <a:t>Deuxième niveau</a:t>
             </a:r>
           </a:p>
           <a:p>
             <a:pPr lvl="2"/>
             <a:r>
-              <a:rPr lang="fr-FR" smtClean="0"/>
+              <a:rPr lang="fr-FR"/>
               <a:t>Troisième niveau</a:t>
             </a:r>
           </a:p>
           <a:p>
             <a:pPr lvl="3"/>
             <a:r>
-              <a:rPr lang="fr-FR" smtClean="0"/>
+              <a:rPr lang="fr-FR"/>
               <a:t>Quatrième niveau</a:t>
             </a:r>
           </a:p>
           <a:p>
             <a:pPr lvl="4"/>
             <a:r>
-              <a:rPr lang="fr-FR" smtClean="0"/>
+              <a:rPr lang="fr-FR"/>
               <a:t>Cinquième niveau</a:t>
             </a:r>
-            <a:endParaRPr lang="fr-FR"/>
           </a:p>
         </p:txBody>
       </p:sp>
@@ -2062,7 +2047,7 @@
               <a:pPr>
                 <a:defRPr/>
               </a:pPr>
-              <a:t>18/11/2014</a:t>
+              <a:t>14/04/2024</a:t>
             </a:fld>
             <a:endParaRPr lang="fr-FR"/>
           </a:p>
@@ -2137,13 +2122,13 @@
   <p:clrMapOvr>
     <a:masterClrMapping/>
   </p:clrMapOvr>
-  <mc:AlternateContent xmlns:mc="http://schemas.openxmlformats.org/markup-compatibility/2006">
-    <mc:Choice xmlns:p14="http://schemas.microsoft.com/office/powerpoint/2010/main" Requires="p14">
+  <mc:AlternateContent xmlns:mc="http://schemas.openxmlformats.org/markup-compatibility/2006" xmlns:p14="http://schemas.microsoft.com/office/powerpoint/2010/main">
+    <mc:Choice Requires="p14">
       <p:transition spd="med">
         <p14:reveal/>
       </p:transition>
     </mc:Choice>
-    <mc:Fallback>
+    <mc:Fallback xmlns="">
       <p:transition spd="med">
         <p:fade/>
       </p:transition>
@@ -2185,10 +2170,9 @@
           <a:lstStyle/>
           <a:p>
             <a:r>
-              <a:rPr lang="fr-FR" smtClean="0"/>
+              <a:rPr lang="fr-FR"/>
               <a:t>Cliquez pour modifier le style du titre</a:t>
             </a:r>
-            <a:endParaRPr lang="fr-FR"/>
           </a:p>
         </p:txBody>
       </p:sp>
@@ -2219,7 +2203,7 @@
               <a:pPr>
                 <a:defRPr/>
               </a:pPr>
-              <a:t>18/11/2014</a:t>
+              <a:t>14/04/2024</a:t>
             </a:fld>
             <a:endParaRPr lang="fr-FR"/>
           </a:p>
@@ -2294,13 +2278,13 @@
   <p:clrMapOvr>
     <a:masterClrMapping/>
   </p:clrMapOvr>
-  <mc:AlternateContent xmlns:mc="http://schemas.openxmlformats.org/markup-compatibility/2006">
-    <mc:Choice xmlns:p14="http://schemas.microsoft.com/office/powerpoint/2010/main" Requires="p14">
+  <mc:AlternateContent xmlns:mc="http://schemas.openxmlformats.org/markup-compatibility/2006" xmlns:p14="http://schemas.microsoft.com/office/powerpoint/2010/main">
+    <mc:Choice Requires="p14">
       <p:transition spd="med">
         <p14:reveal/>
       </p:transition>
     </mc:Choice>
-    <mc:Fallback>
+    <mc:Fallback xmlns="">
       <p:transition spd="med">
         <p:fade/>
       </p:transition>
@@ -2353,7 +2337,7 @@
               <a:pPr>
                 <a:defRPr/>
               </a:pPr>
-              <a:t>18/11/2014</a:t>
+              <a:t>14/04/2024</a:t>
             </a:fld>
             <a:endParaRPr lang="fr-FR"/>
           </a:p>
@@ -2428,13 +2412,13 @@
   <p:clrMapOvr>
     <a:masterClrMapping/>
   </p:clrMapOvr>
-  <mc:AlternateContent xmlns:mc="http://schemas.openxmlformats.org/markup-compatibility/2006">
-    <mc:Choice xmlns:p14="http://schemas.microsoft.com/office/powerpoint/2010/main" Requires="p14">
+  <mc:AlternateContent xmlns:mc="http://schemas.openxmlformats.org/markup-compatibility/2006" xmlns:p14="http://schemas.microsoft.com/office/powerpoint/2010/main">
+    <mc:Choice Requires="p14">
       <p:transition spd="med">
         <p14:reveal/>
       </p:transition>
     </mc:Choice>
-    <mc:Fallback>
+    <mc:Fallback xmlns="">
       <p:transition spd="med">
         <p:fade/>
       </p:transition>
@@ -2485,10 +2469,9 @@
           </a:lstStyle>
           <a:p>
             <a:r>
-              <a:rPr lang="fr-FR" smtClean="0"/>
+              <a:rPr lang="fr-FR"/>
               <a:t>Cliquez pour modifier le style du titre</a:t>
             </a:r>
-            <a:endParaRPr lang="fr-FR"/>
           </a:p>
         </p:txBody>
       </p:sp>
@@ -2542,38 +2525,37 @@
           <a:p>
             <a:pPr lvl="0"/>
             <a:r>
-              <a:rPr lang="fr-FR" smtClean="0"/>
+              <a:rPr lang="fr-FR"/>
               <a:t>Cliquez pour modifier les styles du texte du masque</a:t>
             </a:r>
           </a:p>
           <a:p>
             <a:pPr lvl="1"/>
             <a:r>
-              <a:rPr lang="fr-FR" smtClean="0"/>
+              <a:rPr lang="fr-FR"/>
               <a:t>Deuxième niveau</a:t>
             </a:r>
           </a:p>
           <a:p>
             <a:pPr lvl="2"/>
             <a:r>
-              <a:rPr lang="fr-FR" smtClean="0"/>
+              <a:rPr lang="fr-FR"/>
               <a:t>Troisième niveau</a:t>
             </a:r>
           </a:p>
           <a:p>
             <a:pPr lvl="3"/>
             <a:r>
-              <a:rPr lang="fr-FR" smtClean="0"/>
+              <a:rPr lang="fr-FR"/>
               <a:t>Quatrième niveau</a:t>
             </a:r>
           </a:p>
           <a:p>
             <a:pPr lvl="4"/>
             <a:r>
-              <a:rPr lang="fr-FR" smtClean="0"/>
+              <a:rPr lang="fr-FR"/>
               <a:t>Cinquième niveau</a:t>
             </a:r>
-            <a:endParaRPr lang="fr-FR"/>
           </a:p>
         </p:txBody>
       </p:sp>
@@ -2636,7 +2618,7 @@
           <a:p>
             <a:pPr lvl="0"/>
             <a:r>
-              <a:rPr lang="fr-FR" smtClean="0"/>
+              <a:rPr lang="fr-FR"/>
               <a:t>Cliquez pour modifier les styles du texte du masque</a:t>
             </a:r>
           </a:p>
@@ -2669,7 +2651,7 @@
               <a:pPr>
                 <a:defRPr/>
               </a:pPr>
-              <a:t>18/11/2014</a:t>
+              <a:t>14/04/2024</a:t>
             </a:fld>
             <a:endParaRPr lang="fr-FR"/>
           </a:p>
@@ -2744,13 +2726,13 @@
   <p:clrMapOvr>
     <a:masterClrMapping/>
   </p:clrMapOvr>
-  <mc:AlternateContent xmlns:mc="http://schemas.openxmlformats.org/markup-compatibility/2006">
-    <mc:Choice xmlns:p14="http://schemas.microsoft.com/office/powerpoint/2010/main" Requires="p14">
+  <mc:AlternateContent xmlns:mc="http://schemas.openxmlformats.org/markup-compatibility/2006" xmlns:p14="http://schemas.microsoft.com/office/powerpoint/2010/main">
+    <mc:Choice Requires="p14">
       <p:transition spd="med">
         <p14:reveal/>
       </p:transition>
     </mc:Choice>
-    <mc:Fallback>
+    <mc:Fallback xmlns="">
       <p:transition spd="med">
         <p:fade/>
       </p:transition>
@@ -2801,10 +2783,9 @@
           </a:lstStyle>
           <a:p>
             <a:r>
-              <a:rPr lang="fr-FR" smtClean="0"/>
+              <a:rPr lang="fr-FR"/>
               <a:t>Cliquez pour modifier le style du titre</a:t>
             </a:r>
-            <a:endParaRPr lang="fr-FR"/>
           </a:p>
         </p:txBody>
       </p:sp>
@@ -2868,7 +2849,7 @@
           </a:lstStyle>
           <a:p>
             <a:pPr lvl="0"/>
-            <a:endParaRPr lang="fr-FR" noProof="0" smtClean="0"/>
+            <a:endParaRPr lang="fr-FR" noProof="0"/>
           </a:p>
         </p:txBody>
       </p:sp>
@@ -2931,7 +2912,7 @@
           <a:p>
             <a:pPr lvl="0"/>
             <a:r>
-              <a:rPr lang="fr-FR" smtClean="0"/>
+              <a:rPr lang="fr-FR"/>
               <a:t>Cliquez pour modifier les styles du texte du masque</a:t>
             </a:r>
           </a:p>
@@ -2964,7 +2945,7 @@
               <a:pPr>
                 <a:defRPr/>
               </a:pPr>
-              <a:t>18/11/2014</a:t>
+              <a:t>14/04/2024</a:t>
             </a:fld>
             <a:endParaRPr lang="fr-FR"/>
           </a:p>
@@ -3039,13 +3020,13 @@
   <p:clrMapOvr>
     <a:masterClrMapping/>
   </p:clrMapOvr>
-  <mc:AlternateContent xmlns:mc="http://schemas.openxmlformats.org/markup-compatibility/2006">
-    <mc:Choice xmlns:p14="http://schemas.microsoft.com/office/powerpoint/2010/main" Requires="p14">
+  <mc:AlternateContent xmlns:mc="http://schemas.openxmlformats.org/markup-compatibility/2006" xmlns:p14="http://schemas.microsoft.com/office/powerpoint/2010/main">
+    <mc:Choice Requires="p14">
       <p:transition spd="med">
         <p14:reveal/>
       </p:transition>
     </mc:Choice>
-    <mc:Fallback>
+    <mc:Fallback xmlns="">
       <p:transition spd="med">
         <p:fade/>
       </p:transition>
@@ -3131,7 +3112,7 @@
           <a:p>
             <a:pPr lvl="0"/>
             <a:r>
-              <a:rPr lang="fr-FR" smtClean="0"/>
+              <a:rPr lang="fr-FR"/>
               <a:t>Cliquez pour modifier le style du titre</a:t>
             </a:r>
           </a:p>
@@ -3189,35 +3170,35 @@
           <a:p>
             <a:pPr lvl="0"/>
             <a:r>
-              <a:rPr lang="fr-FR" smtClean="0"/>
+              <a:rPr lang="fr-FR"/>
               <a:t>Cliquez pour modifier les styles du texte du masque</a:t>
             </a:r>
           </a:p>
           <a:p>
             <a:pPr lvl="1"/>
             <a:r>
-              <a:rPr lang="fr-FR" smtClean="0"/>
+              <a:rPr lang="fr-FR"/>
               <a:t>Deuxième niveau</a:t>
             </a:r>
           </a:p>
           <a:p>
             <a:pPr lvl="2"/>
             <a:r>
-              <a:rPr lang="fr-FR" smtClean="0"/>
+              <a:rPr lang="fr-FR"/>
               <a:t>Troisième niveau</a:t>
             </a:r>
           </a:p>
           <a:p>
             <a:pPr lvl="3"/>
             <a:r>
-              <a:rPr lang="fr-FR" smtClean="0"/>
+              <a:rPr lang="fr-FR"/>
               <a:t>Quatrième niveau</a:t>
             </a:r>
           </a:p>
           <a:p>
             <a:pPr lvl="4"/>
             <a:r>
-              <a:rPr lang="fr-FR" smtClean="0"/>
+              <a:rPr lang="fr-FR"/>
               <a:t>Cinquième niveau</a:t>
             </a:r>
           </a:p>
@@ -3271,7 +3252,7 @@
               <a:pPr>
                 <a:defRPr/>
               </a:pPr>
-              <a:t>18/11/2014</a:t>
+              <a:t>14/04/2024</a:t>
             </a:fld>
             <a:endParaRPr lang="fr-FR"/>
           </a:p>
@@ -3390,13 +3371,13 @@
     <p:sldLayoutId id="2147483658" r:id="rId10"/>
     <p:sldLayoutId id="2147483659" r:id="rId11"/>
   </p:sldLayoutIdLst>
-  <mc:AlternateContent xmlns:mc="http://schemas.openxmlformats.org/markup-compatibility/2006">
-    <mc:Choice xmlns:p14="http://schemas.microsoft.com/office/powerpoint/2010/main" Requires="p14">
+  <mc:AlternateContent xmlns:mc="http://schemas.openxmlformats.org/markup-compatibility/2006" xmlns:p14="http://schemas.microsoft.com/office/powerpoint/2010/main">
+    <mc:Choice Requires="p14">
       <p:transition spd="med">
         <p14:reveal/>
       </p:transition>
     </mc:Choice>
-    <mc:Fallback>
+    <mc:Fallback xmlns="">
       <p:transition spd="med">
         <p:fade/>
       </p:transition>
@@ -3830,7 +3811,7 @@
               <a:defRPr/>
             </a:pPr>
             <a:r>
-              <a:rPr lang="fr-FR" sz="7200" b="1" smtClean="0">
+              <a:rPr lang="fr-FR" sz="7200" b="1">
                 <a:solidFill>
                   <a:srgbClr val="FF0000"/>
                 </a:solidFill>
@@ -3844,22 +3825,6 @@
                 <a:latin typeface="BankGothic Lt BT" pitchFamily="34" charset="0"/>
               </a:rPr>
               <a:t>FANEKEM-PINOANA NIKEANA </a:t>
-            </a:r>
-            <a:r>
-              <a:rPr lang="fr-FR" sz="7200" b="1" dirty="0">
-                <a:solidFill>
-                  <a:srgbClr val="0070C0"/>
-                </a:solidFill>
-                <a:effectLst>
-                  <a:outerShdw blurRad="50000" dist="30000" dir="5400000" algn="tl" rotWithShape="0">
-                    <a:srgbClr val="000000">
-                      <a:alpha val="30000"/>
-                    </a:srgbClr>
-                  </a:outerShdw>
-                </a:effectLst>
-                <a:latin typeface="BankGothic Lt BT" pitchFamily="34" charset="0"/>
-              </a:rPr>
-              <a:t/>
             </a:r>
             <a:br>
               <a:rPr lang="fr-FR" sz="7200" b="1" dirty="0">
@@ -3939,23 +3904,10 @@
                 </a:effectLst>
                 <a:latin typeface="Georgia" pitchFamily="18" charset="0"/>
               </a:rPr>
-              <a:t>-II</a:t>
-            </a:r>
-            <a:r>
-              <a:rPr lang="fr-FR" sz="7200" i="1" dirty="0" smtClean="0">
-                <a:effectLst>
-                  <a:outerShdw blurRad="50000" dist="30000" dir="5400000" algn="tl" rotWithShape="0">
-                    <a:srgbClr val="000000">
-                      <a:alpha val="30000"/>
-                    </a:srgbClr>
-                  </a:outerShdw>
-                </a:effectLst>
-                <a:latin typeface="Georgia" pitchFamily="18" charset="0"/>
-              </a:rPr>
-              <a:t>)</a:t>
+              <a:t>-II)</a:t>
             </a:r>
             <a:br>
-              <a:rPr lang="fr-FR" sz="7200" i="1" dirty="0" smtClean="0">
+              <a:rPr lang="fr-FR" sz="7200" i="1" dirty="0">
                 <a:effectLst>
                   <a:outerShdw blurRad="50000" dist="30000" dir="5400000" algn="tl" rotWithShape="0">
                     <a:srgbClr val="000000">
@@ -3984,25 +3936,18 @@
   <p:clrMapOvr>
     <a:masterClrMapping/>
   </p:clrMapOvr>
-  <mc:AlternateContent xmlns:mc="http://schemas.openxmlformats.org/markup-compatibility/2006">
-    <mc:Choice xmlns:p14="http://schemas.microsoft.com/office/powerpoint/2010/main" Requires="p14">
+  <mc:AlternateContent xmlns:mc="http://schemas.openxmlformats.org/markup-compatibility/2006" xmlns:p14="http://schemas.microsoft.com/office/powerpoint/2010/main">
+    <mc:Choice Requires="p14">
       <p:transition spd="med">
         <p14:reveal/>
       </p:transition>
     </mc:Choice>
-    <mc:Fallback>
+    <mc:Fallback xmlns="">
       <p:transition spd="med">
         <p:fade/>
       </p:transition>
     </mc:Fallback>
   </mc:AlternateContent>
-  <p:timing>
-    <p:tnLst>
-      <p:par>
-        <p:cTn id="1" dur="indefinite" restart="never" nodeType="tmRoot"/>
-      </p:par>
-    </p:tnLst>
-  </p:timing>
 </p:sld>
 </file>
 
@@ -4255,13 +4200,13 @@
               <a:t>, Ray </a:t>
             </a:r>
             <a:r>
-              <a:rPr lang="fr-FR" sz="8000" b="1" dirty="0" err="1" smtClean="0">
+              <a:rPr lang="fr-FR" sz="8000" b="1" dirty="0" err="1">
                 <a:latin typeface="+mj-lt"/>
               </a:rPr>
               <a:t>Tsitoha</a:t>
             </a:r>
             <a:r>
-              <a:rPr lang="fr-FR" sz="8000" b="1" dirty="0" smtClean="0">
+              <a:rPr lang="fr-FR" sz="8000" b="1" dirty="0">
                 <a:latin typeface="+mj-lt"/>
               </a:rPr>
               <a:t>, </a:t>
@@ -4291,85 +4236,85 @@
               <a:t> </a:t>
             </a:r>
             <a:r>
-              <a:rPr lang="fr-FR" sz="8000" b="1" dirty="0" err="1" smtClean="0">
+              <a:rPr lang="fr-FR" sz="8000" b="1" dirty="0" err="1">
                 <a:latin typeface="+mj-lt"/>
               </a:rPr>
               <a:t>lanitra</a:t>
             </a:r>
             <a:r>
-              <a:rPr lang="fr-FR" sz="8000" b="1" dirty="0" smtClean="0">
-                <a:latin typeface="+mj-lt"/>
-              </a:rPr>
-              <a:t> </a:t>
-            </a:r>
-            <a:r>
-              <a:rPr lang="fr-FR" sz="8000" b="1" dirty="0" err="1" smtClean="0">
+              <a:rPr lang="fr-FR" sz="8000" b="1" dirty="0">
+                <a:latin typeface="+mj-lt"/>
+              </a:rPr>
+              <a:t> </a:t>
+            </a:r>
+            <a:r>
+              <a:rPr lang="fr-FR" sz="8000" b="1" dirty="0" err="1">
                 <a:latin typeface="+mj-lt"/>
               </a:rPr>
               <a:t>sy</a:t>
             </a:r>
             <a:r>
-              <a:rPr lang="fr-FR" sz="8000" b="1" dirty="0" smtClean="0">
-                <a:latin typeface="+mj-lt"/>
-              </a:rPr>
-              <a:t> </a:t>
-            </a:r>
-            <a:r>
-              <a:rPr lang="fr-FR" sz="8000" b="1" dirty="0" err="1" smtClean="0">
+              <a:rPr lang="fr-FR" sz="8000" b="1" dirty="0">
+                <a:latin typeface="+mj-lt"/>
+              </a:rPr>
+              <a:t> </a:t>
+            </a:r>
+            <a:r>
+              <a:rPr lang="fr-FR" sz="8000" b="1" dirty="0" err="1">
                 <a:latin typeface="+mj-lt"/>
               </a:rPr>
               <a:t>ny</a:t>
             </a:r>
             <a:r>
-              <a:rPr lang="fr-FR" sz="8000" b="1" dirty="0" smtClean="0">
-                <a:latin typeface="+mj-lt"/>
-              </a:rPr>
-              <a:t> </a:t>
-            </a:r>
-            <a:r>
-              <a:rPr lang="fr-FR" sz="8000" b="1" dirty="0" err="1" smtClean="0">
+              <a:rPr lang="fr-FR" sz="8000" b="1" dirty="0">
+                <a:latin typeface="+mj-lt"/>
+              </a:rPr>
+              <a:t> </a:t>
+            </a:r>
+            <a:r>
+              <a:rPr lang="fr-FR" sz="8000" b="1" dirty="0" err="1">
                 <a:latin typeface="+mj-lt"/>
               </a:rPr>
               <a:t>tany</a:t>
             </a:r>
             <a:r>
-              <a:rPr lang="fr-FR" sz="8000" b="1" dirty="0" smtClean="0">
+              <a:rPr lang="fr-FR" sz="8000" b="1" dirty="0">
                 <a:latin typeface="+mj-lt"/>
               </a:rPr>
               <a:t>, </a:t>
             </a:r>
             <a:r>
-              <a:rPr lang="fr-FR" sz="8000" b="1" dirty="0" err="1" smtClean="0">
+              <a:rPr lang="fr-FR" sz="8000" b="1" dirty="0" err="1">
                 <a:latin typeface="+mj-lt"/>
               </a:rPr>
               <a:t>ary</a:t>
             </a:r>
             <a:r>
-              <a:rPr lang="fr-FR" sz="8000" b="1" dirty="0" smtClean="0">
-                <a:latin typeface="+mj-lt"/>
-              </a:rPr>
-              <a:t> </a:t>
-            </a:r>
-            <a:r>
-              <a:rPr lang="fr-FR" sz="8000" b="1" dirty="0" err="1" smtClean="0">
+              <a:rPr lang="fr-FR" sz="8000" b="1" dirty="0">
+                <a:latin typeface="+mj-lt"/>
+              </a:rPr>
+              <a:t> </a:t>
+            </a:r>
+            <a:r>
+              <a:rPr lang="fr-FR" sz="8000" b="1" dirty="0" err="1">
                 <a:latin typeface="+mj-lt"/>
               </a:rPr>
               <a:t>ny</a:t>
             </a:r>
             <a:r>
-              <a:rPr lang="fr-FR" sz="8000" b="1" dirty="0" smtClean="0">
-                <a:latin typeface="+mj-lt"/>
-              </a:rPr>
-              <a:t> </a:t>
-            </a:r>
-            <a:r>
-              <a:rPr lang="fr-FR" sz="8000" b="1" dirty="0" err="1" smtClean="0">
+              <a:rPr lang="fr-FR" sz="8000" b="1" dirty="0">
+                <a:latin typeface="+mj-lt"/>
+              </a:rPr>
+              <a:t> </a:t>
+            </a:r>
+            <a:r>
+              <a:rPr lang="fr-FR" sz="8000" b="1" dirty="0" err="1">
                 <a:latin typeface="+mj-lt"/>
               </a:rPr>
               <a:t>zavatra</a:t>
             </a:r>
             <a:r>
-              <a:rPr lang="fr-FR" sz="8000" b="1" dirty="0" smtClean="0">
+              <a:rPr lang="fr-FR" sz="8000" b="1" dirty="0">
                 <a:latin typeface="+mj-lt"/>
               </a:rPr>
               <a:t> </a:t>
@@ -4454,25 +4399,18 @@
   <p:clrMapOvr>
     <a:masterClrMapping/>
   </p:clrMapOvr>
-  <mc:AlternateContent xmlns:mc="http://schemas.openxmlformats.org/markup-compatibility/2006">
-    <mc:Choice xmlns:p14="http://schemas.microsoft.com/office/powerpoint/2010/main" Requires="p14">
+  <mc:AlternateContent xmlns:mc="http://schemas.openxmlformats.org/markup-compatibility/2006" xmlns:p14="http://schemas.microsoft.com/office/powerpoint/2010/main">
+    <mc:Choice Requires="p14">
       <p:transition spd="med">
         <p14:reveal/>
       </p:transition>
     </mc:Choice>
-    <mc:Fallback>
+    <mc:Fallback xmlns="">
       <p:transition spd="med">
         <p:fade/>
       </p:transition>
     </mc:Fallback>
   </mc:AlternateContent>
-  <p:timing>
-    <p:tnLst>
-      <p:par>
-        <p:cTn id="1" dur="indefinite" restart="never" nodeType="tmRoot"/>
-      </p:par>
-    </p:tnLst>
-  </p:timing>
 </p:sld>
 </file>
 
@@ -4676,13 +4614,13 @@
               <a:buNone/>
             </a:pPr>
             <a:r>
-              <a:rPr lang="fr-FR" sz="7200" b="1" dirty="0" err="1" smtClean="0">
+              <a:rPr lang="fr-FR" sz="7200" b="1" dirty="0" err="1">
                 <a:latin typeface="+mj-lt"/>
               </a:rPr>
               <a:t>Ary</a:t>
             </a:r>
             <a:r>
-              <a:rPr lang="fr-FR" sz="7200" b="1" dirty="0" smtClean="0">
+              <a:rPr lang="fr-FR" sz="7200" b="1" dirty="0">
                 <a:latin typeface="+mj-lt"/>
               </a:rPr>
               <a:t> </a:t>
@@ -4700,13 +4638,13 @@
               <a:t> </a:t>
             </a:r>
             <a:r>
-              <a:rPr lang="fr-FR" sz="7200" b="1" dirty="0" err="1" smtClean="0">
+              <a:rPr lang="fr-FR" sz="7200" b="1" dirty="0" err="1">
                 <a:latin typeface="+mj-lt"/>
               </a:rPr>
               <a:t>Jesoa</a:t>
             </a:r>
             <a:r>
-              <a:rPr lang="fr-FR" sz="7200" b="1" dirty="0" smtClean="0">
+              <a:rPr lang="fr-FR" sz="7200" b="1" dirty="0">
                 <a:latin typeface="+mj-lt"/>
               </a:rPr>
               <a:t> </a:t>
@@ -4736,37 +4674,37 @@
               <a:t> </a:t>
             </a:r>
             <a:r>
-              <a:rPr lang="fr-FR" sz="7200" b="1" dirty="0" err="1" smtClean="0">
+              <a:rPr lang="fr-FR" sz="7200" b="1" dirty="0" err="1">
                 <a:latin typeface="+mj-lt"/>
               </a:rPr>
               <a:t>Iray</a:t>
             </a:r>
             <a:r>
-              <a:rPr lang="fr-FR" sz="7200" b="1" dirty="0" smtClean="0">
+              <a:rPr lang="fr-FR" sz="7200" b="1" dirty="0">
                 <a:latin typeface="+mj-lt"/>
               </a:rPr>
               <a:t>,  </a:t>
             </a:r>
             <a:r>
-              <a:rPr lang="fr-FR" sz="7200" b="1" dirty="0" err="1" smtClean="0">
+              <a:rPr lang="fr-FR" sz="7200" b="1" dirty="0" err="1">
                 <a:latin typeface="+mj-lt"/>
               </a:rPr>
               <a:t>Zanaka</a:t>
             </a:r>
             <a:r>
-              <a:rPr lang="fr-FR" sz="7200" b="1" dirty="0" smtClean="0">
-                <a:latin typeface="+mj-lt"/>
-              </a:rPr>
-              <a:t> </a:t>
-            </a:r>
-            <a:r>
-              <a:rPr lang="fr-FR" sz="7200" b="1" dirty="0" err="1" smtClean="0">
+              <a:rPr lang="fr-FR" sz="7200" b="1" dirty="0">
+                <a:latin typeface="+mj-lt"/>
+              </a:rPr>
+              <a:t> </a:t>
+            </a:r>
+            <a:r>
+              <a:rPr lang="fr-FR" sz="7200" b="1" dirty="0" err="1">
                 <a:latin typeface="+mj-lt"/>
               </a:rPr>
               <a:t>Lahitokan’Andriamanitra</a:t>
             </a:r>
             <a:r>
-              <a:rPr lang="fr-FR" sz="7200" b="1" dirty="0" smtClean="0">
+              <a:rPr lang="fr-FR" sz="7200" b="1" dirty="0">
                 <a:latin typeface="+mj-lt"/>
               </a:rPr>
               <a:t>, </a:t>
@@ -4898,14 +4836,11 @@
               <a:t>mazava</a:t>
             </a:r>
             <a:r>
-              <a:rPr lang="fr-FR" sz="7200" b="1" dirty="0" smtClean="0">
+              <a:rPr lang="fr-FR" sz="7200" b="1" dirty="0">
                 <a:latin typeface="+mj-lt"/>
               </a:rPr>
               <a:t>.</a:t>
             </a:r>
-            <a:endParaRPr lang="fr-FR" sz="7200" b="1" dirty="0">
-              <a:latin typeface="+mj-lt"/>
-            </a:endParaRPr>
           </a:p>
         </p:txBody>
       </p:sp>
@@ -4914,25 +4849,18 @@
   <p:clrMapOvr>
     <a:masterClrMapping/>
   </p:clrMapOvr>
-  <mc:AlternateContent xmlns:mc="http://schemas.openxmlformats.org/markup-compatibility/2006">
-    <mc:Choice xmlns:p14="http://schemas.microsoft.com/office/powerpoint/2010/main" Requires="p14">
+  <mc:AlternateContent xmlns:mc="http://schemas.openxmlformats.org/markup-compatibility/2006" xmlns:p14="http://schemas.microsoft.com/office/powerpoint/2010/main">
+    <mc:Choice Requires="p14">
       <p:transition spd="med">
         <p14:reveal/>
       </p:transition>
     </mc:Choice>
-    <mc:Fallback>
+    <mc:Fallback xmlns="">
       <p:transition spd="med">
         <p:fade/>
       </p:transition>
     </mc:Fallback>
   </mc:AlternateContent>
-  <p:timing>
-    <p:tnLst>
-      <p:par>
-        <p:cTn id="1" dur="indefinite" restart="never" nodeType="tmRoot"/>
-      </p:par>
-    </p:tnLst>
-  </p:timing>
 </p:sld>
 </file>
 
@@ -5137,13 +5065,13 @@
               <a:buNone/>
             </a:pPr>
             <a:r>
-              <a:rPr lang="fr-FR" sz="7200" b="1" dirty="0" err="1" smtClean="0">
+              <a:rPr lang="fr-FR" sz="7200" b="1" dirty="0" err="1">
                 <a:latin typeface="+mj-lt"/>
               </a:rPr>
               <a:t>Andriamanitra</a:t>
             </a:r>
             <a:r>
-              <a:rPr lang="fr-FR" sz="7200" b="1" dirty="0" smtClean="0">
+              <a:rPr lang="fr-FR" sz="7200" b="1" dirty="0">
                 <a:latin typeface="+mj-lt"/>
               </a:rPr>
               <a:t> </a:t>
@@ -5173,7 +5101,7 @@
               <a:t> </a:t>
             </a:r>
             <a:r>
-              <a:rPr lang="fr-FR" sz="7200" b="1" dirty="0" err="1" smtClean="0">
+              <a:rPr lang="fr-FR" sz="7200" b="1" dirty="0" err="1">
                 <a:latin typeface="+mj-lt"/>
               </a:rPr>
               <a:t>amin’Andriamanitra</a:t>
@@ -5269,13 +5197,13 @@
               <a:t> </a:t>
             </a:r>
             <a:r>
-              <a:rPr lang="fr-FR" sz="7200" b="1" dirty="0" err="1" smtClean="0">
+              <a:rPr lang="fr-FR" sz="7200" b="1" dirty="0" err="1">
                 <a:latin typeface="+mj-lt"/>
               </a:rPr>
               <a:t>rehetra</a:t>
             </a:r>
             <a:r>
-              <a:rPr lang="fr-FR" sz="7200" b="1" dirty="0" smtClean="0">
+              <a:rPr lang="fr-FR" sz="7200" b="1" dirty="0">
                 <a:latin typeface="+mj-lt"/>
               </a:rPr>
               <a:t>.</a:t>
@@ -5290,68 +5218,65 @@
               <a:buNone/>
             </a:pPr>
             <a:r>
-              <a:rPr lang="fr-FR" sz="7200" b="1" dirty="0" err="1" smtClean="0">
+              <a:rPr lang="fr-FR" sz="7200" b="1" dirty="0" err="1">
                 <a:latin typeface="+mj-lt"/>
               </a:rPr>
               <a:t>Izy</a:t>
             </a:r>
             <a:r>
-              <a:rPr lang="fr-FR" sz="7200" b="1" dirty="0" smtClean="0">
+              <a:rPr lang="fr-FR" sz="7200" b="1" dirty="0">
                 <a:latin typeface="+mj-lt"/>
               </a:rPr>
               <a:t> no </a:t>
             </a:r>
             <a:r>
-              <a:rPr lang="fr-FR" sz="7200" b="1" dirty="0" err="1" smtClean="0">
+              <a:rPr lang="fr-FR" sz="7200" b="1" dirty="0" err="1">
                 <a:latin typeface="+mj-lt"/>
               </a:rPr>
               <a:t>nahariana</a:t>
             </a:r>
             <a:r>
-              <a:rPr lang="fr-FR" sz="7200" b="1" dirty="0" smtClean="0">
-                <a:latin typeface="+mj-lt"/>
-              </a:rPr>
-              <a:t> </a:t>
-            </a:r>
-            <a:r>
-              <a:rPr lang="fr-FR" sz="7200" b="1" dirty="0" err="1" smtClean="0">
+              <a:rPr lang="fr-FR" sz="7200" b="1" dirty="0">
+                <a:latin typeface="+mj-lt"/>
+              </a:rPr>
+              <a:t> </a:t>
+            </a:r>
+            <a:r>
+              <a:rPr lang="fr-FR" sz="7200" b="1" dirty="0" err="1">
                 <a:latin typeface="+mj-lt"/>
               </a:rPr>
               <a:t>izao</a:t>
             </a:r>
             <a:r>
-              <a:rPr lang="fr-FR" sz="7200" b="1" dirty="0" smtClean="0">
-                <a:latin typeface="+mj-lt"/>
-              </a:rPr>
-              <a:t> </a:t>
-            </a:r>
-            <a:r>
-              <a:rPr lang="fr-FR" sz="7200" b="1" dirty="0" err="1" smtClean="0">
+              <a:rPr lang="fr-FR" sz="7200" b="1" dirty="0">
+                <a:latin typeface="+mj-lt"/>
+              </a:rPr>
+              <a:t> </a:t>
+            </a:r>
+            <a:r>
+              <a:rPr lang="fr-FR" sz="7200" b="1" dirty="0" err="1">
                 <a:latin typeface="+mj-lt"/>
               </a:rPr>
               <a:t>rehetra</a:t>
             </a:r>
             <a:r>
-              <a:rPr lang="fr-FR" sz="7200" b="1" dirty="0" smtClean="0">
-                <a:latin typeface="+mj-lt"/>
-              </a:rPr>
-              <a:t> </a:t>
-            </a:r>
-            <a:r>
-              <a:rPr lang="fr-FR" sz="7200" b="1" dirty="0" err="1" smtClean="0">
+              <a:rPr lang="fr-FR" sz="7200" b="1" dirty="0">
+                <a:latin typeface="+mj-lt"/>
+              </a:rPr>
+              <a:t> </a:t>
+            </a:r>
+            <a:r>
+              <a:rPr lang="fr-FR" sz="7200" b="1" dirty="0" err="1">
                 <a:latin typeface="+mj-lt"/>
               </a:rPr>
               <a:t>izao</a:t>
             </a:r>
             <a:r>
-              <a:rPr lang="fr-FR" sz="7200" b="1" dirty="0" smtClean="0">
+              <a:rPr lang="fr-FR" sz="7200" b="1" dirty="0">
                 <a:latin typeface="+mj-lt"/>
               </a:rPr>
               <a:t>.</a:t>
             </a:r>
-            <a:endParaRPr lang="fr-FR" sz="7200" b="1" dirty="0">
-              <a:latin typeface="+mj-lt"/>
-            </a:endParaRPr>
           </a:p>
         </p:txBody>
       </p:sp>
@@ -5360,25 +5285,18 @@
   <p:clrMapOvr>
     <a:masterClrMapping/>
   </p:clrMapOvr>
-  <mc:AlternateContent xmlns:mc="http://schemas.openxmlformats.org/markup-compatibility/2006">
-    <mc:Choice xmlns:p14="http://schemas.microsoft.com/office/powerpoint/2010/main" Requires="p14">
+  <mc:AlternateContent xmlns:mc="http://schemas.openxmlformats.org/markup-compatibility/2006" xmlns:p14="http://schemas.microsoft.com/office/powerpoint/2010/main">
+    <mc:Choice Requires="p14">
       <p:transition spd="med">
         <p14:reveal/>
       </p:transition>
     </mc:Choice>
-    <mc:Fallback>
+    <mc:Fallback xmlns="">
       <p:transition spd="med">
         <p:fade/>
       </p:transition>
     </mc:Fallback>
   </mc:AlternateContent>
-  <p:timing>
-    <p:tnLst>
-      <p:par>
-        <p:cTn id="1" dur="indefinite" restart="never" nodeType="tmRoot"/>
-      </p:par>
-    </p:tnLst>
-  </p:timing>
 </p:sld>
 </file>
 
@@ -5717,25 +5635,18 @@
   <p:clrMapOvr>
     <a:masterClrMapping/>
   </p:clrMapOvr>
-  <mc:AlternateContent xmlns:mc="http://schemas.openxmlformats.org/markup-compatibility/2006">
-    <mc:Choice xmlns:p14="http://schemas.microsoft.com/office/powerpoint/2010/main" Requires="p14">
+  <mc:AlternateContent xmlns:mc="http://schemas.openxmlformats.org/markup-compatibility/2006" xmlns:p14="http://schemas.microsoft.com/office/powerpoint/2010/main">
+    <mc:Choice Requires="p14">
       <p:transition spd="med">
         <p14:reveal/>
       </p:transition>
     </mc:Choice>
-    <mc:Fallback>
+    <mc:Fallback xmlns="">
       <p:transition spd="med">
         <p:fade/>
       </p:transition>
     </mc:Fallback>
   </mc:AlternateContent>
-  <p:timing>
-    <p:tnLst>
-      <p:par>
-        <p:cTn id="1" dur="indefinite" restart="never" nodeType="tmRoot"/>
-      </p:par>
-    </p:tnLst>
-  </p:timing>
 </p:sld>
 </file>
 
@@ -5988,22 +5899,16 @@
               <a:t> </a:t>
             </a:r>
             <a:r>
-              <a:rPr lang="fr-FR" sz="6400" b="1" dirty="0" err="1" smtClean="0">
+              <a:rPr lang="fr-FR" sz="6400" b="1" dirty="0" err="1">
                 <a:latin typeface="+mj-lt"/>
               </a:rPr>
               <a:t>fijaliana</a:t>
             </a:r>
             <a:r>
-              <a:rPr lang="fr-FR" sz="6400" b="1" dirty="0" smtClean="0">
-                <a:latin typeface="+mj-lt"/>
-              </a:rPr>
-              <a:t> </a:t>
-            </a:r>
-            <a:r>
               <a:rPr lang="fr-FR" sz="6400" b="1" dirty="0">
                 <a:latin typeface="+mj-lt"/>
               </a:rPr>
-              <a:t>ho </a:t>
+              <a:t> ho </a:t>
             </a:r>
             <a:r>
               <a:rPr lang="fr-FR" sz="6400" b="1" dirty="0" err="1">
@@ -6018,13 +5923,13 @@
               <a:t> </a:t>
             </a:r>
             <a:r>
-              <a:rPr lang="fr-FR" sz="6400" b="1" dirty="0" err="1" smtClean="0">
+              <a:rPr lang="fr-FR" sz="6400" b="1" dirty="0" err="1">
                 <a:latin typeface="+mj-lt"/>
               </a:rPr>
               <a:t>antsika</a:t>
             </a:r>
             <a:r>
-              <a:rPr lang="fr-FR" sz="6400" b="1" dirty="0" smtClean="0">
+              <a:rPr lang="fr-FR" sz="6400" b="1" dirty="0">
                 <a:latin typeface="+mj-lt"/>
               </a:rPr>
               <a:t>, </a:t>
@@ -6078,67 +5983,61 @@
               <a:t> </a:t>
             </a:r>
             <a:r>
-              <a:rPr lang="fr-FR" sz="6400" b="1" dirty="0" err="1" smtClean="0">
+              <a:rPr lang="fr-FR" sz="6400" b="1" dirty="0" err="1">
                 <a:latin typeface="+mj-lt"/>
               </a:rPr>
               <a:t>Izy</a:t>
             </a:r>
             <a:r>
-              <a:rPr lang="fr-FR" sz="6400" b="1" dirty="0" smtClean="0">
+              <a:rPr lang="fr-FR" sz="6400" b="1" dirty="0">
                 <a:latin typeface="+mj-lt"/>
               </a:rPr>
               <a:t>: </a:t>
             </a:r>
             <a:r>
-              <a:rPr lang="fr-FR" sz="6400" b="1" dirty="0" err="1" smtClean="0">
+              <a:rPr lang="fr-FR" sz="6400" b="1" dirty="0" err="1">
                 <a:latin typeface="+mj-lt"/>
               </a:rPr>
               <a:t>maty</a:t>
             </a:r>
             <a:r>
-              <a:rPr lang="fr-FR" sz="6400" b="1" dirty="0" smtClean="0">
-                <a:latin typeface="+mj-lt"/>
-              </a:rPr>
-              <a:t> </a:t>
-            </a:r>
-            <a:r>
-              <a:rPr lang="fr-FR" sz="6400" b="1" dirty="0" err="1" smtClean="0">
+              <a:rPr lang="fr-FR" sz="6400" b="1" dirty="0">
+                <a:latin typeface="+mj-lt"/>
+              </a:rPr>
+              <a:t> </a:t>
+            </a:r>
+            <a:r>
+              <a:rPr lang="fr-FR" sz="6400" b="1" dirty="0" err="1">
                 <a:latin typeface="+mj-lt"/>
               </a:rPr>
               <a:t>Izy</a:t>
             </a:r>
             <a:r>
-              <a:rPr lang="fr-FR" sz="6400" b="1" dirty="0" smtClean="0">
-                <a:latin typeface="+mj-lt"/>
-              </a:rPr>
-              <a:t> </a:t>
-            </a:r>
-            <a:r>
               <a:rPr lang="fr-FR" sz="6400" b="1" dirty="0">
                 <a:latin typeface="+mj-lt"/>
               </a:rPr>
-              <a:t>ka </a:t>
-            </a:r>
-            <a:r>
-              <a:rPr lang="fr-FR" sz="6400" b="1" dirty="0" err="1" smtClean="0">
+              <a:t> ka </a:t>
+            </a:r>
+            <a:r>
+              <a:rPr lang="fr-FR" sz="6400" b="1" dirty="0" err="1">
                 <a:latin typeface="+mj-lt"/>
               </a:rPr>
               <a:t>nalevina</a:t>
             </a:r>
             <a:r>
-              <a:rPr lang="fr-FR" sz="6400" b="1" dirty="0" smtClean="0">
+              <a:rPr lang="fr-FR" sz="6400" b="1" dirty="0">
                 <a:latin typeface="+mj-lt"/>
               </a:rPr>
               <a:t>. </a:t>
             </a:r>
             <a:r>
-              <a:rPr lang="fr-FR" sz="6400" b="1" dirty="0" err="1" smtClean="0">
+              <a:rPr lang="fr-FR" sz="6400" b="1" dirty="0" err="1">
                 <a:latin typeface="+mj-lt"/>
               </a:rPr>
               <a:t>Nitsangana</a:t>
             </a:r>
             <a:r>
-              <a:rPr lang="fr-FR" sz="6400" b="1" dirty="0" smtClean="0">
+              <a:rPr lang="fr-FR" sz="6400" b="1" dirty="0">
                 <a:latin typeface="+mj-lt"/>
               </a:rPr>
               <a:t> </a:t>
@@ -6259,25 +6158,18 @@
   <p:clrMapOvr>
     <a:masterClrMapping/>
   </p:clrMapOvr>
-  <mc:AlternateContent xmlns:mc="http://schemas.openxmlformats.org/markup-compatibility/2006">
-    <mc:Choice xmlns:p14="http://schemas.microsoft.com/office/powerpoint/2010/main" Requires="p14">
+  <mc:AlternateContent xmlns:mc="http://schemas.openxmlformats.org/markup-compatibility/2006" xmlns:p14="http://schemas.microsoft.com/office/powerpoint/2010/main">
+    <mc:Choice Requires="p14">
       <p:transition spd="med">
         <p14:reveal/>
       </p:transition>
     </mc:Choice>
-    <mc:Fallback>
+    <mc:Fallback xmlns="">
       <p:transition spd="med">
         <p:fade/>
       </p:transition>
     </mc:Fallback>
   </mc:AlternateContent>
-  <p:timing>
-    <p:tnLst>
-      <p:par>
-        <p:cTn id="1" dur="indefinite" restart="never" nodeType="tmRoot"/>
-      </p:par>
-    </p:tnLst>
-  </p:timing>
 </p:sld>
 </file>
 
@@ -6587,13 +6479,7 @@
               <a:rPr lang="fr-FR" sz="6400" b="1" dirty="0">
                 <a:latin typeface="+mj-lt"/>
               </a:rPr>
-              <a:t> </a:t>
-            </a:r>
-            <a:r>
-              <a:rPr lang="fr-FR" sz="6400" b="1" dirty="0" smtClean="0">
-                <a:latin typeface="+mj-lt"/>
-              </a:rPr>
-              <a:t>Ray; </a:t>
+              <a:t> Ray; </a:t>
             </a:r>
             <a:r>
               <a:rPr lang="fr-FR" sz="6400" b="1" dirty="0" err="1">
@@ -6795,25 +6681,18 @@
   <p:clrMapOvr>
     <a:masterClrMapping/>
   </p:clrMapOvr>
-  <mc:AlternateContent xmlns:mc="http://schemas.openxmlformats.org/markup-compatibility/2006">
-    <mc:Choice xmlns:p14="http://schemas.microsoft.com/office/powerpoint/2010/main" Requires="p14">
+  <mc:AlternateContent xmlns:mc="http://schemas.openxmlformats.org/markup-compatibility/2006" xmlns:p14="http://schemas.microsoft.com/office/powerpoint/2010/main">
+    <mc:Choice Requires="p14">
       <p:transition spd="med">
         <p14:reveal/>
       </p:transition>
     </mc:Choice>
-    <mc:Fallback>
+    <mc:Fallback xmlns="">
       <p:transition spd="med">
         <p:fade/>
       </p:transition>
     </mc:Fallback>
   </mc:AlternateContent>
-  <p:timing>
-    <p:tnLst>
-      <p:par>
-        <p:cTn id="1" dur="indefinite" restart="never" nodeType="tmRoot"/>
-      </p:par>
-    </p:tnLst>
-  </p:timing>
 </p:sld>
 </file>
 
@@ -7126,13 +7005,13 @@
               <a:t>, </a:t>
             </a:r>
             <a:r>
-              <a:rPr lang="fr-FR" sz="6400" b="1" dirty="0" err="1" smtClean="0">
+              <a:rPr lang="fr-FR" sz="6400" b="1" dirty="0" err="1">
                 <a:latin typeface="+mj-lt"/>
               </a:rPr>
               <a:t>Izay</a:t>
             </a:r>
             <a:r>
-              <a:rPr lang="fr-FR" sz="6400" b="1" dirty="0" smtClean="0">
+              <a:rPr lang="fr-FR" sz="6400" b="1" dirty="0">
                 <a:latin typeface="+mj-lt"/>
               </a:rPr>
               <a:t> </a:t>
@@ -7282,13 +7161,13 @@
               <a:t> </a:t>
             </a:r>
             <a:r>
-              <a:rPr lang="fr-FR" sz="6400" b="1" dirty="0" err="1" smtClean="0">
+              <a:rPr lang="fr-FR" sz="6400" b="1" dirty="0" err="1">
                 <a:latin typeface="+mj-lt"/>
               </a:rPr>
               <a:t>Zanaka</a:t>
             </a:r>
             <a:r>
-              <a:rPr lang="fr-FR" sz="6400" b="1" dirty="0" smtClean="0">
+              <a:rPr lang="fr-FR" sz="6400" b="1" dirty="0">
                 <a:latin typeface="+mj-lt"/>
               </a:rPr>
               <a:t>; </a:t>
@@ -7351,17 +7230,8 @@
               <a:rPr lang="fr-FR" sz="6400" b="1" dirty="0">
                 <a:latin typeface="+mj-lt"/>
               </a:rPr>
-              <a:t> </a:t>
-            </a:r>
-            <a:r>
-              <a:rPr lang="fr-FR" sz="6400" b="1" dirty="0" smtClean="0">
-                <a:latin typeface="+mj-lt"/>
-              </a:rPr>
-              <a:t>. </a:t>
-            </a:r>
-            <a:endParaRPr lang="fr-FR" sz="6400" b="1" dirty="0">
-              <a:latin typeface="+mj-lt"/>
-            </a:endParaRPr>
+              <a:t> . </a:t>
+            </a:r>
           </a:p>
         </p:txBody>
       </p:sp>
@@ -7370,25 +7240,18 @@
   <p:clrMapOvr>
     <a:masterClrMapping/>
   </p:clrMapOvr>
-  <mc:AlternateContent xmlns:mc="http://schemas.openxmlformats.org/markup-compatibility/2006">
-    <mc:Choice xmlns:p14="http://schemas.microsoft.com/office/powerpoint/2010/main" Requires="p14">
+  <mc:AlternateContent xmlns:mc="http://schemas.openxmlformats.org/markup-compatibility/2006" xmlns:p14="http://schemas.microsoft.com/office/powerpoint/2010/main">
+    <mc:Choice Requires="p14">
       <p:transition spd="med">
         <p14:reveal/>
       </p:transition>
     </mc:Choice>
-    <mc:Fallback>
+    <mc:Fallback xmlns="">
       <p:transition spd="med">
         <p:fade/>
       </p:transition>
     </mc:Fallback>
   </mc:AlternateContent>
-  <p:timing>
-    <p:tnLst>
-      <p:par>
-        <p:cTn id="1" dur="indefinite" restart="never" nodeType="tmRoot"/>
-      </p:par>
-    </p:tnLst>
-  </p:timing>
 </p:sld>
 </file>
 
@@ -7641,18 +7504,24 @@
               <a:t> </a:t>
             </a:r>
             <a:r>
-              <a:rPr lang="fr-FR" sz="6000" b="1" dirty="0" err="1" smtClean="0">
+              <a:rPr lang="fr-FR" sz="6000" b="1" dirty="0" err="1">
                 <a:latin typeface="+mj-lt"/>
               </a:rPr>
               <a:t>iray</a:t>
             </a:r>
             <a:r>
-              <a:rPr lang="fr-FR" sz="6000" b="1" dirty="0" smtClean="0">
+              <a:rPr lang="fr-FR" sz="6000" b="1" dirty="0">
                 <a:latin typeface="+mj-lt"/>
               </a:rPr>
               <a:t>, </a:t>
             </a:r>
             <a:r>
+              <a:rPr lang="fr-FR" sz="6000" b="1">
+                <a:latin typeface="+mj-lt"/>
+              </a:rPr>
+              <a:t>masina </a:t>
+            </a:r>
+            <a:r>
               <a:rPr lang="fr-FR" sz="6000" b="1" dirty="0" err="1">
                 <a:latin typeface="+mj-lt"/>
               </a:rPr>
@@ -7689,13 +7558,13 @@
               <a:t> </a:t>
             </a:r>
             <a:r>
-              <a:rPr lang="fr-FR" sz="6000" b="1" dirty="0" err="1" smtClean="0">
+              <a:rPr lang="fr-FR" sz="6000" b="1" dirty="0" err="1">
                 <a:latin typeface="+mj-lt"/>
               </a:rPr>
               <a:t>Apostoly</a:t>
             </a:r>
             <a:r>
-              <a:rPr lang="fr-FR" sz="6000" b="1" dirty="0" smtClean="0">
+              <a:rPr lang="fr-FR" sz="6000" b="1" dirty="0">
                 <a:latin typeface="+mj-lt"/>
               </a:rPr>
               <a:t> </a:t>
@@ -7845,13 +7714,13 @@
               <a:t> </a:t>
             </a:r>
             <a:r>
-              <a:rPr lang="fr-FR" sz="6000" b="1" dirty="0" err="1" smtClean="0">
+              <a:rPr lang="fr-FR" sz="6000" b="1" dirty="0" err="1">
                 <a:latin typeface="+mj-lt"/>
               </a:rPr>
               <a:t>manantena</a:t>
             </a:r>
             <a:r>
-              <a:rPr lang="fr-FR" sz="6000" b="1" dirty="0" smtClean="0">
+              <a:rPr lang="fr-FR" sz="6000" b="1" dirty="0">
                 <a:latin typeface="+mj-lt"/>
               </a:rPr>
               <a:t> </a:t>
@@ -7960,25 +7829,18 @@
   <p:clrMapOvr>
     <a:masterClrMapping/>
   </p:clrMapOvr>
-  <mc:AlternateContent xmlns:mc="http://schemas.openxmlformats.org/markup-compatibility/2006">
-    <mc:Choice xmlns:p14="http://schemas.microsoft.com/office/powerpoint/2010/main" Requires="p14">
+  <mc:AlternateContent xmlns:mc="http://schemas.openxmlformats.org/markup-compatibility/2006" xmlns:p14="http://schemas.microsoft.com/office/powerpoint/2010/main">
+    <mc:Choice Requires="p14">
       <p:transition spd="med">
         <p14:reveal/>
       </p:transition>
     </mc:Choice>
-    <mc:Fallback>
+    <mc:Fallback xmlns="">
       <p:transition spd="med">
         <p:fade/>
       </p:transition>
     </mc:Fallback>
   </mc:AlternateContent>
-  <p:timing>
-    <p:tnLst>
-      <p:par>
-        <p:cTn id="1" dur="indefinite" restart="never" nodeType="tmRoot"/>
-      </p:par>
-    </p:tnLst>
-  </p:timing>
 </p:sld>
 </file>
 

--- a/Fanekem-pinoana/Fanekem-pinoana II.pptx
+++ b/Fanekem-pinoana/Fanekem-pinoana II.pptx
@@ -350,7 +350,7 @@
               <a:pPr>
                 <a:defRPr/>
               </a:pPr>
-              <a:t>14/04/2024</a:t>
+              <a:t>09/03/2025</a:t>
             </a:fld>
             <a:endParaRPr lang="fr-FR"/>
           </a:p>
@@ -557,7 +557,7 @@
               <a:pPr>
                 <a:defRPr/>
               </a:pPr>
-              <a:t>14/04/2024</a:t>
+              <a:t>09/03/2025</a:t>
             </a:fld>
             <a:endParaRPr lang="fr-FR"/>
           </a:p>
@@ -774,7 +774,7 @@
               <a:pPr>
                 <a:defRPr/>
               </a:pPr>
-              <a:t>14/04/2024</a:t>
+              <a:t>09/03/2025</a:t>
             </a:fld>
             <a:endParaRPr lang="fr-FR"/>
           </a:p>
@@ -981,7 +981,7 @@
               <a:pPr>
                 <a:defRPr/>
               </a:pPr>
-              <a:t>14/04/2024</a:t>
+              <a:t>09/03/2025</a:t>
             </a:fld>
             <a:endParaRPr lang="fr-FR"/>
           </a:p>
@@ -1265,7 +1265,7 @@
               <a:pPr>
                 <a:defRPr/>
               </a:pPr>
-              <a:t>14/04/2024</a:t>
+              <a:t>09/03/2025</a:t>
             </a:fld>
             <a:endParaRPr lang="fr-FR"/>
           </a:p>
@@ -1589,7 +1589,7 @@
               <a:pPr>
                 <a:defRPr/>
               </a:pPr>
-              <a:t>14/04/2024</a:t>
+              <a:t>09/03/2025</a:t>
             </a:fld>
             <a:endParaRPr lang="fr-FR"/>
           </a:p>
@@ -2047,7 +2047,7 @@
               <a:pPr>
                 <a:defRPr/>
               </a:pPr>
-              <a:t>14/04/2024</a:t>
+              <a:t>09/03/2025</a:t>
             </a:fld>
             <a:endParaRPr lang="fr-FR"/>
           </a:p>
@@ -2203,7 +2203,7 @@
               <a:pPr>
                 <a:defRPr/>
               </a:pPr>
-              <a:t>14/04/2024</a:t>
+              <a:t>09/03/2025</a:t>
             </a:fld>
             <a:endParaRPr lang="fr-FR"/>
           </a:p>
@@ -2337,7 +2337,7 @@
               <a:pPr>
                 <a:defRPr/>
               </a:pPr>
-              <a:t>14/04/2024</a:t>
+              <a:t>09/03/2025</a:t>
             </a:fld>
             <a:endParaRPr lang="fr-FR"/>
           </a:p>
@@ -2651,7 +2651,7 @@
               <a:pPr>
                 <a:defRPr/>
               </a:pPr>
-              <a:t>14/04/2024</a:t>
+              <a:t>09/03/2025</a:t>
             </a:fld>
             <a:endParaRPr lang="fr-FR"/>
           </a:p>
@@ -2945,7 +2945,7 @@
               <a:pPr>
                 <a:defRPr/>
               </a:pPr>
-              <a:t>14/04/2024</a:t>
+              <a:t>09/03/2025</a:t>
             </a:fld>
             <a:endParaRPr lang="fr-FR"/>
           </a:p>
@@ -3252,7 +3252,7 @@
               <a:pPr>
                 <a:defRPr/>
               </a:pPr>
-              <a:t>14/04/2024</a:t>
+              <a:t>09/03/2025</a:t>
             </a:fld>
             <a:endParaRPr lang="fr-FR"/>
           </a:p>
@@ -3826,6 +3826,22 @@
               </a:rPr>
               <a:t>FANEKEM-PINOANA NIKEANA </a:t>
             </a:r>
+            <a:r>
+              <a:rPr lang="fr-FR" sz="7200" b="1" dirty="0">
+                <a:solidFill>
+                  <a:srgbClr val="0070C0"/>
+                </a:solidFill>
+                <a:effectLst>
+                  <a:outerShdw blurRad="50000" dist="30000" dir="5400000" algn="tl" rotWithShape="0">
+                    <a:srgbClr val="000000">
+                      <a:alpha val="30000"/>
+                    </a:srgbClr>
+                  </a:outerShdw>
+                </a:effectLst>
+                <a:latin typeface="BankGothic Lt BT" pitchFamily="34" charset="0"/>
+              </a:rPr>
+              <a:t/>
+            </a:r>
             <a:br>
               <a:rPr lang="fr-FR" sz="7200" b="1" dirty="0">
                 <a:solidFill>
@@ -4399,16 +4415,12 @@
   <p:clrMapOvr>
     <a:masterClrMapping/>
   </p:clrMapOvr>
-  <mc:AlternateContent xmlns:mc="http://schemas.openxmlformats.org/markup-compatibility/2006" xmlns:p14="http://schemas.microsoft.com/office/powerpoint/2010/main">
-    <mc:Choice Requires="p14">
-      <p:transition spd="med">
-        <p14:reveal/>
-      </p:transition>
+  <mc:AlternateContent xmlns:mc="http://schemas.openxmlformats.org/markup-compatibility/2006">
+    <mc:Choice xmlns:p14="http://schemas.microsoft.com/office/powerpoint/2010/main" Requires="p14">
+      <p:transition p14:dur="0"/>
     </mc:Choice>
-    <mc:Fallback xmlns="">
-      <p:transition spd="med">
-        <p:fade/>
-      </p:transition>
+    <mc:Fallback>
+      <p:transition/>
     </mc:Fallback>
   </mc:AlternateContent>
 </p:sld>
@@ -4849,16 +4861,12 @@
   <p:clrMapOvr>
     <a:masterClrMapping/>
   </p:clrMapOvr>
-  <mc:AlternateContent xmlns:mc="http://schemas.openxmlformats.org/markup-compatibility/2006" xmlns:p14="http://schemas.microsoft.com/office/powerpoint/2010/main">
-    <mc:Choice Requires="p14">
-      <p:transition spd="med">
-        <p14:reveal/>
-      </p:transition>
+  <mc:AlternateContent xmlns:mc="http://schemas.openxmlformats.org/markup-compatibility/2006">
+    <mc:Choice xmlns:p14="http://schemas.microsoft.com/office/powerpoint/2010/main" Requires="p14">
+      <p:transition p14:dur="0"/>
     </mc:Choice>
-    <mc:Fallback xmlns="">
-      <p:transition spd="med">
-        <p:fade/>
-      </p:transition>
+    <mc:Fallback>
+      <p:transition/>
     </mc:Fallback>
   </mc:AlternateContent>
 </p:sld>
@@ -5285,16 +5293,12 @@
   <p:clrMapOvr>
     <a:masterClrMapping/>
   </p:clrMapOvr>
-  <mc:AlternateContent xmlns:mc="http://schemas.openxmlformats.org/markup-compatibility/2006" xmlns:p14="http://schemas.microsoft.com/office/powerpoint/2010/main">
-    <mc:Choice Requires="p14">
-      <p:transition spd="med">
-        <p14:reveal/>
-      </p:transition>
+  <mc:AlternateContent xmlns:mc="http://schemas.openxmlformats.org/markup-compatibility/2006">
+    <mc:Choice xmlns:p14="http://schemas.microsoft.com/office/powerpoint/2010/main" Requires="p14">
+      <p:transition p14:dur="0"/>
     </mc:Choice>
-    <mc:Fallback xmlns="">
-      <p:transition spd="med">
-        <p:fade/>
-      </p:transition>
+    <mc:Fallback>
+      <p:transition/>
     </mc:Fallback>
   </mc:AlternateContent>
 </p:sld>
@@ -5635,16 +5639,12 @@
   <p:clrMapOvr>
     <a:masterClrMapping/>
   </p:clrMapOvr>
-  <mc:AlternateContent xmlns:mc="http://schemas.openxmlformats.org/markup-compatibility/2006" xmlns:p14="http://schemas.microsoft.com/office/powerpoint/2010/main">
-    <mc:Choice Requires="p14">
-      <p:transition spd="med">
-        <p14:reveal/>
-      </p:transition>
+  <mc:AlternateContent xmlns:mc="http://schemas.openxmlformats.org/markup-compatibility/2006">
+    <mc:Choice xmlns:p14="http://schemas.microsoft.com/office/powerpoint/2010/main" Requires="p14">
+      <p:transition p14:dur="0"/>
     </mc:Choice>
-    <mc:Fallback xmlns="">
-      <p:transition spd="med">
-        <p:fade/>
-      </p:transition>
+    <mc:Fallback>
+      <p:transition/>
     </mc:Fallback>
   </mc:AlternateContent>
 </p:sld>
@@ -6158,16 +6158,12 @@
   <p:clrMapOvr>
     <a:masterClrMapping/>
   </p:clrMapOvr>
-  <mc:AlternateContent xmlns:mc="http://schemas.openxmlformats.org/markup-compatibility/2006" xmlns:p14="http://schemas.microsoft.com/office/powerpoint/2010/main">
-    <mc:Choice Requires="p14">
-      <p:transition spd="med">
-        <p14:reveal/>
-      </p:transition>
+  <mc:AlternateContent xmlns:mc="http://schemas.openxmlformats.org/markup-compatibility/2006">
+    <mc:Choice xmlns:p14="http://schemas.microsoft.com/office/powerpoint/2010/main" Requires="p14">
+      <p:transition p14:dur="0"/>
     </mc:Choice>
-    <mc:Fallback xmlns="">
-      <p:transition spd="med">
-        <p:fade/>
-      </p:transition>
+    <mc:Fallback>
+      <p:transition/>
     </mc:Fallback>
   </mc:AlternateContent>
 </p:sld>
@@ -6681,16 +6677,12 @@
   <p:clrMapOvr>
     <a:masterClrMapping/>
   </p:clrMapOvr>
-  <mc:AlternateContent xmlns:mc="http://schemas.openxmlformats.org/markup-compatibility/2006" xmlns:p14="http://schemas.microsoft.com/office/powerpoint/2010/main">
-    <mc:Choice Requires="p14">
-      <p:transition spd="med">
-        <p14:reveal/>
-      </p:transition>
+  <mc:AlternateContent xmlns:mc="http://schemas.openxmlformats.org/markup-compatibility/2006">
+    <mc:Choice xmlns:p14="http://schemas.microsoft.com/office/powerpoint/2010/main" Requires="p14">
+      <p:transition p14:dur="0"/>
     </mc:Choice>
-    <mc:Fallback xmlns="">
-      <p:transition spd="med">
-        <p:fade/>
-      </p:transition>
+    <mc:Fallback>
+      <p:transition/>
     </mc:Fallback>
   </mc:AlternateContent>
 </p:sld>
@@ -7240,16 +7232,12 @@
   <p:clrMapOvr>
     <a:masterClrMapping/>
   </p:clrMapOvr>
-  <mc:AlternateContent xmlns:mc="http://schemas.openxmlformats.org/markup-compatibility/2006" xmlns:p14="http://schemas.microsoft.com/office/powerpoint/2010/main">
-    <mc:Choice Requires="p14">
-      <p:transition spd="med">
-        <p14:reveal/>
-      </p:transition>
+  <mc:AlternateContent xmlns:mc="http://schemas.openxmlformats.org/markup-compatibility/2006">
+    <mc:Choice xmlns:p14="http://schemas.microsoft.com/office/powerpoint/2010/main" Requires="p14">
+      <p:transition p14:dur="0"/>
     </mc:Choice>
-    <mc:Fallback xmlns="">
-      <p:transition spd="med">
-        <p:fade/>
-      </p:transition>
+    <mc:Fallback>
+      <p:transition/>
     </mc:Fallback>
   </mc:AlternateContent>
 </p:sld>
@@ -7829,16 +7817,12 @@
   <p:clrMapOvr>
     <a:masterClrMapping/>
   </p:clrMapOvr>
-  <mc:AlternateContent xmlns:mc="http://schemas.openxmlformats.org/markup-compatibility/2006" xmlns:p14="http://schemas.microsoft.com/office/powerpoint/2010/main">
-    <mc:Choice Requires="p14">
-      <p:transition spd="med">
-        <p14:reveal/>
-      </p:transition>
+  <mc:AlternateContent xmlns:mc="http://schemas.openxmlformats.org/markup-compatibility/2006">
+    <mc:Choice xmlns:p14="http://schemas.microsoft.com/office/powerpoint/2010/main" Requires="p14">
+      <p:transition p14:dur="0"/>
     </mc:Choice>
-    <mc:Fallback xmlns="">
-      <p:transition spd="med">
-        <p:fade/>
-      </p:transition>
+    <mc:Fallback>
+      <p:transition/>
     </mc:Fallback>
   </mc:AlternateContent>
 </p:sld>

--- a/Fanekem-pinoana/Fanekem-pinoana II.pptx
+++ b/Fanekem-pinoana/Fanekem-pinoana II.pptx
@@ -350,7 +350,7 @@
               <a:pPr>
                 <a:defRPr/>
               </a:pPr>
-              <a:t>09/03/2025</a:t>
+              <a:t>12/10/2025</a:t>
             </a:fld>
             <a:endParaRPr lang="fr-FR"/>
           </a:p>
@@ -557,7 +557,7 @@
               <a:pPr>
                 <a:defRPr/>
               </a:pPr>
-              <a:t>09/03/2025</a:t>
+              <a:t>12/10/2025</a:t>
             </a:fld>
             <a:endParaRPr lang="fr-FR"/>
           </a:p>
@@ -774,7 +774,7 @@
               <a:pPr>
                 <a:defRPr/>
               </a:pPr>
-              <a:t>09/03/2025</a:t>
+              <a:t>12/10/2025</a:t>
             </a:fld>
             <a:endParaRPr lang="fr-FR"/>
           </a:p>
@@ -981,7 +981,7 @@
               <a:pPr>
                 <a:defRPr/>
               </a:pPr>
-              <a:t>09/03/2025</a:t>
+              <a:t>12/10/2025</a:t>
             </a:fld>
             <a:endParaRPr lang="fr-FR"/>
           </a:p>
@@ -1265,7 +1265,7 @@
               <a:pPr>
                 <a:defRPr/>
               </a:pPr>
-              <a:t>09/03/2025</a:t>
+              <a:t>12/10/2025</a:t>
             </a:fld>
             <a:endParaRPr lang="fr-FR"/>
           </a:p>
@@ -1589,7 +1589,7 @@
               <a:pPr>
                 <a:defRPr/>
               </a:pPr>
-              <a:t>09/03/2025</a:t>
+              <a:t>12/10/2025</a:t>
             </a:fld>
             <a:endParaRPr lang="fr-FR"/>
           </a:p>
@@ -2047,7 +2047,7 @@
               <a:pPr>
                 <a:defRPr/>
               </a:pPr>
-              <a:t>09/03/2025</a:t>
+              <a:t>12/10/2025</a:t>
             </a:fld>
             <a:endParaRPr lang="fr-FR"/>
           </a:p>
@@ -2203,7 +2203,7 @@
               <a:pPr>
                 <a:defRPr/>
               </a:pPr>
-              <a:t>09/03/2025</a:t>
+              <a:t>12/10/2025</a:t>
             </a:fld>
             <a:endParaRPr lang="fr-FR"/>
           </a:p>
@@ -2337,7 +2337,7 @@
               <a:pPr>
                 <a:defRPr/>
               </a:pPr>
-              <a:t>09/03/2025</a:t>
+              <a:t>12/10/2025</a:t>
             </a:fld>
             <a:endParaRPr lang="fr-FR"/>
           </a:p>
@@ -2651,7 +2651,7 @@
               <a:pPr>
                 <a:defRPr/>
               </a:pPr>
-              <a:t>09/03/2025</a:t>
+              <a:t>12/10/2025</a:t>
             </a:fld>
             <a:endParaRPr lang="fr-FR"/>
           </a:p>
@@ -2945,7 +2945,7 @@
               <a:pPr>
                 <a:defRPr/>
               </a:pPr>
-              <a:t>09/03/2025</a:t>
+              <a:t>12/10/2025</a:t>
             </a:fld>
             <a:endParaRPr lang="fr-FR"/>
           </a:p>
@@ -3252,7 +3252,7 @@
               <a:pPr>
                 <a:defRPr/>
               </a:pPr>
-              <a:t>09/03/2025</a:t>
+              <a:t>12/10/2025</a:t>
             </a:fld>
             <a:endParaRPr lang="fr-FR"/>
           </a:p>
@@ -3964,6 +3964,13 @@
       </p:transition>
     </mc:Fallback>
   </mc:AlternateContent>
+  <p:timing>
+    <p:tnLst>
+      <p:par>
+        <p:cTn id="1" dur="indefinite" restart="never" nodeType="tmRoot"/>
+      </p:par>
+    </p:tnLst>
+  </p:timing>
 </p:sld>
 </file>
 
@@ -4417,12 +4424,19 @@
   </p:clrMapOvr>
   <mc:AlternateContent xmlns:mc="http://schemas.openxmlformats.org/markup-compatibility/2006">
     <mc:Choice xmlns:p14="http://schemas.microsoft.com/office/powerpoint/2010/main" Requires="p14">
-      <p:transition p14:dur="0"/>
+      <p:transition p14:dur="10"/>
     </mc:Choice>
     <mc:Fallback>
       <p:transition/>
     </mc:Fallback>
   </mc:AlternateContent>
+  <p:timing>
+    <p:tnLst>
+      <p:par>
+        <p:cTn id="1" dur="indefinite" restart="never" nodeType="tmRoot"/>
+      </p:par>
+    </p:tnLst>
+  </p:timing>
 </p:sld>
 </file>
 
@@ -4863,7 +4877,7 @@
   </p:clrMapOvr>
   <mc:AlternateContent xmlns:mc="http://schemas.openxmlformats.org/markup-compatibility/2006">
     <mc:Choice xmlns:p14="http://schemas.microsoft.com/office/powerpoint/2010/main" Requires="p14">
-      <p:transition p14:dur="0"/>
+      <p:transition p14:dur="10"/>
     </mc:Choice>
     <mc:Fallback>
       <p:transition/>
@@ -5295,7 +5309,7 @@
   </p:clrMapOvr>
   <mc:AlternateContent xmlns:mc="http://schemas.openxmlformats.org/markup-compatibility/2006">
     <mc:Choice xmlns:p14="http://schemas.microsoft.com/office/powerpoint/2010/main" Requires="p14">
-      <p:transition p14:dur="0"/>
+      <p:transition p14:dur="10"/>
     </mc:Choice>
     <mc:Fallback>
       <p:transition/>
@@ -5641,7 +5655,7 @@
   </p:clrMapOvr>
   <mc:AlternateContent xmlns:mc="http://schemas.openxmlformats.org/markup-compatibility/2006">
     <mc:Choice xmlns:p14="http://schemas.microsoft.com/office/powerpoint/2010/main" Requires="p14">
-      <p:transition p14:dur="0"/>
+      <p:transition p14:dur="10"/>
     </mc:Choice>
     <mc:Fallback>
       <p:transition/>
@@ -6160,12 +6174,19 @@
   </p:clrMapOvr>
   <mc:AlternateContent xmlns:mc="http://schemas.openxmlformats.org/markup-compatibility/2006">
     <mc:Choice xmlns:p14="http://schemas.microsoft.com/office/powerpoint/2010/main" Requires="p14">
-      <p:transition p14:dur="0"/>
+      <p:transition p14:dur="10"/>
     </mc:Choice>
     <mc:Fallback>
       <p:transition/>
     </mc:Fallback>
   </mc:AlternateContent>
+  <p:timing>
+    <p:tnLst>
+      <p:par>
+        <p:cTn id="1" dur="indefinite" restart="never" nodeType="tmRoot"/>
+      </p:par>
+    </p:tnLst>
+  </p:timing>
 </p:sld>
 </file>
 
@@ -6679,12 +6700,19 @@
   </p:clrMapOvr>
   <mc:AlternateContent xmlns:mc="http://schemas.openxmlformats.org/markup-compatibility/2006">
     <mc:Choice xmlns:p14="http://schemas.microsoft.com/office/powerpoint/2010/main" Requires="p14">
-      <p:transition p14:dur="0"/>
+      <p:transition p14:dur="10"/>
     </mc:Choice>
     <mc:Fallback>
       <p:transition/>
     </mc:Fallback>
   </mc:AlternateContent>
+  <p:timing>
+    <p:tnLst>
+      <p:par>
+        <p:cTn id="1" dur="indefinite" restart="never" nodeType="tmRoot"/>
+      </p:par>
+    </p:tnLst>
+  </p:timing>
 </p:sld>
 </file>
 
@@ -7234,7 +7262,7 @@
   </p:clrMapOvr>
   <mc:AlternateContent xmlns:mc="http://schemas.openxmlformats.org/markup-compatibility/2006">
     <mc:Choice xmlns:p14="http://schemas.microsoft.com/office/powerpoint/2010/main" Requires="p14">
-      <p:transition p14:dur="0"/>
+      <p:transition p14:dur="10"/>
     </mc:Choice>
     <mc:Fallback>
       <p:transition/>
@@ -7819,7 +7847,7 @@
   </p:clrMapOvr>
   <mc:AlternateContent xmlns:mc="http://schemas.openxmlformats.org/markup-compatibility/2006">
     <mc:Choice xmlns:p14="http://schemas.microsoft.com/office/powerpoint/2010/main" Requires="p14">
-      <p:transition p14:dur="0"/>
+      <p:transition p14:dur="10"/>
     </mc:Choice>
     <mc:Fallback>
       <p:transition/>
